--- a/trunk/Solr_19032010.pptx
+++ b/trunk/Solr_19032010.pptx
@@ -5,7 +5,7 @@
     <p:sldMasterId id="2147483912" r:id="rId1"/>
   </p:sldMasterIdLst>
   <p:notesMasterIdLst>
-    <p:notesMasterId r:id="rId23"/>
+    <p:notesMasterId r:id="rId24"/>
   </p:notesMasterIdLst>
   <p:sldIdLst>
     <p:sldId id="280" r:id="rId2"/>
@@ -29,6 +29,7 @@
     <p:sldId id="299" r:id="rId20"/>
     <p:sldId id="300" r:id="rId21"/>
     <p:sldId id="281" r:id="rId22"/>
+    <p:sldId id="301" r:id="rId23"/>
   </p:sldIdLst>
   <p:sldSz cx="9144000" cy="6858000" type="screen4x3"/>
   <p:notesSz cx="6858000" cy="9144000"/>
@@ -10691,6 +10692,334 @@
 </p:sld>
 </file>
 
+<file path=ppt/slides/slide22.xml><?xml version="1.0" encoding="utf-8"?>
+<p:sld xmlns:a="http://schemas.openxmlformats.org/drawingml/2006/main" xmlns:r="http://schemas.openxmlformats.org/officeDocument/2006/relationships" xmlns:p="http://schemas.openxmlformats.org/presentationml/2006/main">
+  <p:cSld>
+    <p:spTree>
+      <p:nvGrpSpPr>
+        <p:cNvPr id="1" name=""/>
+        <p:cNvGrpSpPr/>
+        <p:nvPr/>
+      </p:nvGrpSpPr>
+      <p:grpSpPr>
+        <a:xfrm>
+          <a:off x="0" y="0"/>
+          <a:ext cx="0" cy="0"/>
+          <a:chOff x="0" y="0"/>
+          <a:chExt cx="0" cy="0"/>
+        </a:xfrm>
+      </p:grpSpPr>
+      <p:sp>
+        <p:nvSpPr>
+          <p:cNvPr id="4" name="Date Placeholder 3"/>
+          <p:cNvSpPr>
+            <a:spLocks noGrp="1"/>
+          </p:cNvSpPr>
+          <p:nvPr>
+            <p:ph type="dt" sz="half" idx="10"/>
+          </p:nvPr>
+        </p:nvSpPr>
+        <p:spPr/>
+        <p:txBody>
+          <a:bodyPr/>
+          <a:lstStyle/>
+          <a:p>
+            <a:fld id="{BC954255-A3C7-4F9C-A7AF-88A869F134B5}" type="datetime1">
+              <a:rPr lang="ru-RU" smtClean="0">
+                <a:latin typeface="Arial" pitchFamily="34" charset="0"/>
+                <a:cs typeface="Arial" pitchFamily="34" charset="0"/>
+              </a:rPr>
+              <a:pPr/>
+              <a:t>19.03.2010</a:t>
+            </a:fld>
+            <a:endParaRPr lang="ru-RU">
+              <a:latin typeface="Arial" pitchFamily="34" charset="0"/>
+              <a:cs typeface="Arial" pitchFamily="34" charset="0"/>
+            </a:endParaRPr>
+          </a:p>
+        </p:txBody>
+      </p:sp>
+      <p:sp>
+        <p:nvSpPr>
+          <p:cNvPr id="5" name="Slide Number Placeholder 4"/>
+          <p:cNvSpPr>
+            <a:spLocks noGrp="1"/>
+          </p:cNvSpPr>
+          <p:nvPr>
+            <p:ph type="sldNum" sz="quarter" idx="12"/>
+          </p:nvPr>
+        </p:nvSpPr>
+        <p:spPr/>
+        <p:txBody>
+          <a:bodyPr/>
+          <a:lstStyle/>
+          <a:p>
+            <a:fld id="{2545FCD0-E778-471E-85B9-51278415C2DE}" type="slidenum">
+              <a:rPr lang="ru-RU" smtClean="0">
+                <a:latin typeface="Arial" pitchFamily="34" charset="0"/>
+                <a:cs typeface="Arial" pitchFamily="34" charset="0"/>
+              </a:rPr>
+              <a:pPr/>
+              <a:t>22</a:t>
+            </a:fld>
+            <a:endParaRPr lang="ru-RU">
+              <a:latin typeface="Arial" pitchFamily="34" charset="0"/>
+              <a:cs typeface="Arial" pitchFamily="34" charset="0"/>
+            </a:endParaRPr>
+          </a:p>
+        </p:txBody>
+      </p:sp>
+      <p:pic>
+        <p:nvPicPr>
+          <p:cNvPr id="9" name="Picture 2" descr="C:\Program Files\ConceptDraw Office\ConceptDraw MINDMAP\Clipart\Classic symbols\018.png"/>
+          <p:cNvPicPr>
+            <a:picLocks noGrp="1" noChangeAspect="1" noChangeArrowheads="1"/>
+          </p:cNvPicPr>
+          <p:nvPr>
+            <p:ph idx="4294967295"/>
+          </p:nvPr>
+        </p:nvPicPr>
+        <p:blipFill>
+          <a:blip r:embed="rId2" cstate="print"/>
+          <a:srcRect/>
+          <a:stretch>
+            <a:fillRect/>
+          </a:stretch>
+        </p:blipFill>
+        <p:spPr bwMode="auto">
+          <a:xfrm>
+            <a:off x="1066800" y="533400"/>
+            <a:ext cx="825500" cy="825500"/>
+          </a:xfrm>
+          <a:prstGeom prst="rect">
+            <a:avLst/>
+          </a:prstGeom>
+          <a:noFill/>
+        </p:spPr>
+      </p:pic>
+      <p:sp>
+        <p:nvSpPr>
+          <p:cNvPr id="10" name="TextBox 9"/>
+          <p:cNvSpPr txBox="1"/>
+          <p:nvPr/>
+        </p:nvSpPr>
+        <p:spPr>
+          <a:xfrm>
+            <a:off x="2057400" y="609600"/>
+            <a:ext cx="4495800" cy="523220"/>
+          </a:xfrm>
+          <a:prstGeom prst="rect">
+            <a:avLst/>
+          </a:prstGeom>
+          <a:noFill/>
+        </p:spPr>
+        <p:txBody>
+          <a:bodyPr wrap="square" rtlCol="0">
+            <a:spAutoFit/>
+          </a:bodyPr>
+          <a:lstStyle/>
+          <a:p>
+            <a:r>
+              <a:rPr lang="en-US" sz="2800" dirty="0" smtClean="0">
+                <a:latin typeface="Arial" pitchFamily="34" charset="0"/>
+                <a:cs typeface="Arial" pitchFamily="34" charset="0"/>
+              </a:rPr>
+              <a:t>Overview</a:t>
+            </a:r>
+            <a:endParaRPr lang="en-US" sz="2800" dirty="0">
+              <a:latin typeface="Arial" pitchFamily="34" charset="0"/>
+              <a:cs typeface="Arial" pitchFamily="34" charset="0"/>
+            </a:endParaRPr>
+          </a:p>
+        </p:txBody>
+      </p:sp>
+      <p:sp>
+        <p:nvSpPr>
+          <p:cNvPr id="11" name="TextBox 10"/>
+          <p:cNvSpPr txBox="1"/>
+          <p:nvPr/>
+        </p:nvSpPr>
+        <p:spPr>
+          <a:xfrm>
+            <a:off x="2057400" y="1524000"/>
+            <a:ext cx="4495800" cy="523220"/>
+          </a:xfrm>
+          <a:prstGeom prst="rect">
+            <a:avLst/>
+          </a:prstGeom>
+          <a:noFill/>
+        </p:spPr>
+        <p:txBody>
+          <a:bodyPr wrap="square" rtlCol="0">
+            <a:spAutoFit/>
+          </a:bodyPr>
+          <a:lstStyle/>
+          <a:p>
+            <a:r>
+              <a:rPr lang="en-US" sz="2800" dirty="0" smtClean="0">
+                <a:latin typeface="Arial" pitchFamily="34" charset="0"/>
+                <a:cs typeface="Arial" pitchFamily="34" charset="0"/>
+              </a:rPr>
+              <a:t>Stemming</a:t>
+            </a:r>
+            <a:endParaRPr lang="en-US" sz="2800" dirty="0">
+              <a:latin typeface="Arial" pitchFamily="34" charset="0"/>
+              <a:cs typeface="Arial" pitchFamily="34" charset="0"/>
+            </a:endParaRPr>
+          </a:p>
+        </p:txBody>
+      </p:sp>
+      <p:sp>
+        <p:nvSpPr>
+          <p:cNvPr id="12" name="TextBox 11"/>
+          <p:cNvSpPr txBox="1"/>
+          <p:nvPr/>
+        </p:nvSpPr>
+        <p:spPr>
+          <a:xfrm>
+            <a:off x="2133600" y="2362200"/>
+            <a:ext cx="4495800" cy="523220"/>
+          </a:xfrm>
+          <a:prstGeom prst="rect">
+            <a:avLst/>
+          </a:prstGeom>
+          <a:noFill/>
+        </p:spPr>
+        <p:txBody>
+          <a:bodyPr wrap="square" rtlCol="0">
+            <a:spAutoFit/>
+          </a:bodyPr>
+          <a:lstStyle/>
+          <a:p>
+            <a:r>
+              <a:rPr lang="en-US" sz="2800" dirty="0" smtClean="0">
+                <a:latin typeface="Arial" pitchFamily="34" charset="0"/>
+                <a:cs typeface="Arial" pitchFamily="34" charset="0"/>
+              </a:rPr>
+              <a:t>Analyzers</a:t>
+            </a:r>
+            <a:endParaRPr lang="en-US" sz="2800" dirty="0">
+              <a:latin typeface="Arial" pitchFamily="34" charset="0"/>
+              <a:cs typeface="Arial" pitchFamily="34" charset="0"/>
+            </a:endParaRPr>
+          </a:p>
+        </p:txBody>
+      </p:sp>
+      <p:sp>
+        <p:nvSpPr>
+          <p:cNvPr id="14" name="TextBox 13"/>
+          <p:cNvSpPr txBox="1"/>
+          <p:nvPr/>
+        </p:nvSpPr>
+        <p:spPr>
+          <a:xfrm>
+            <a:off x="2133600" y="3352800"/>
+            <a:ext cx="4495800" cy="523220"/>
+          </a:xfrm>
+          <a:prstGeom prst="rect">
+            <a:avLst/>
+          </a:prstGeom>
+          <a:noFill/>
+        </p:spPr>
+        <p:txBody>
+          <a:bodyPr wrap="square" rtlCol="0">
+            <a:spAutoFit/>
+          </a:bodyPr>
+          <a:lstStyle/>
+          <a:p>
+            <a:r>
+              <a:rPr lang="en-US" sz="2800" dirty="0" err="1" smtClean="0">
+                <a:latin typeface="Arial" pitchFamily="34" charset="0"/>
+                <a:cs typeface="Arial" pitchFamily="34" charset="0"/>
+              </a:rPr>
+              <a:t>CharFilters</a:t>
+            </a:r>
+            <a:endParaRPr lang="en-US" sz="2800" dirty="0" smtClean="0">
+              <a:latin typeface="Arial" pitchFamily="34" charset="0"/>
+              <a:cs typeface="Arial" pitchFamily="34" charset="0"/>
+            </a:endParaRPr>
+          </a:p>
+        </p:txBody>
+      </p:sp>
+      <p:sp>
+        <p:nvSpPr>
+          <p:cNvPr id="15" name="TextBox 14"/>
+          <p:cNvSpPr txBox="1"/>
+          <p:nvPr/>
+        </p:nvSpPr>
+        <p:spPr>
+          <a:xfrm>
+            <a:off x="2133600" y="4343400"/>
+            <a:ext cx="5410200" cy="523220"/>
+          </a:xfrm>
+          <a:prstGeom prst="rect">
+            <a:avLst/>
+          </a:prstGeom>
+          <a:noFill/>
+        </p:spPr>
+        <p:txBody>
+          <a:bodyPr wrap="square" rtlCol="0">
+            <a:spAutoFit/>
+          </a:bodyPr>
+          <a:lstStyle/>
+          <a:p>
+            <a:r>
+              <a:rPr lang="en-US" sz="2800" dirty="0" smtClean="0">
+                <a:latin typeface="Arial" pitchFamily="34" charset="0"/>
+                <a:cs typeface="Arial" pitchFamily="34" charset="0"/>
+              </a:rPr>
+              <a:t>Tokens and Token Filters</a:t>
+            </a:r>
+          </a:p>
+        </p:txBody>
+      </p:sp>
+      <p:sp>
+        <p:nvSpPr>
+          <p:cNvPr id="16" name="TextBox 15"/>
+          <p:cNvSpPr txBox="1"/>
+          <p:nvPr/>
+        </p:nvSpPr>
+        <p:spPr>
+          <a:xfrm>
+            <a:off x="2209800" y="5257800"/>
+            <a:ext cx="6477000" cy="523220"/>
+          </a:xfrm>
+          <a:prstGeom prst="rect">
+            <a:avLst/>
+          </a:prstGeom>
+          <a:noFill/>
+        </p:spPr>
+        <p:txBody>
+          <a:bodyPr wrap="square" rtlCol="0">
+            <a:spAutoFit/>
+          </a:bodyPr>
+          <a:lstStyle/>
+          <a:p>
+            <a:r>
+              <a:rPr lang="en-US" sz="2800" dirty="0" smtClean="0">
+                <a:latin typeface="Arial" pitchFamily="34" charset="0"/>
+                <a:cs typeface="Arial" pitchFamily="34" charset="0"/>
+              </a:rPr>
+              <a:t>Specifying an Analyzer in the schema</a:t>
+            </a:r>
+          </a:p>
+        </p:txBody>
+      </p:sp>
+    </p:spTree>
+  </p:cSld>
+  <p:clrMapOvr>
+    <a:masterClrMapping/>
+  </p:clrMapOvr>
+  <p:timing>
+    <p:tnLst>
+      <p:par>
+        <p:cTn id="1" dur="indefinite" restart="never" nodeType="tmRoot"/>
+      </p:par>
+    </p:tnLst>
+  </p:timing>
+</p:sld>
+</file>
+
 <file path=ppt/slides/slide3.xml><?xml version="1.0" encoding="utf-8"?>
 <p:sld xmlns:a="http://schemas.openxmlformats.org/drawingml/2006/main" xmlns:r="http://schemas.openxmlformats.org/officeDocument/2006/relationships" xmlns:p="http://schemas.openxmlformats.org/presentationml/2006/main">
   <p:cSld>
@@ -15124,41 +15453,6 @@
               </a:rPr>
               <a:t>)</a:t>
             </a:r>
-            <a:endParaRPr kumimoji="0" lang="en-US" sz="3200" b="0" i="0" u="none" strike="noStrike" kern="1200" cap="none" spc="0" normalizeH="0" baseline="0" noProof="0" dirty="0" smtClean="0">
-              <a:ln>
-                <a:noFill/>
-              </a:ln>
-              <a:gradFill flip="none" rotWithShape="1">
-                <a:gsLst>
-                  <a:gs pos="0">
-                    <a:schemeClr val="accent1">
-                      <a:shade val="30000"/>
-                      <a:satMod val="115000"/>
-                    </a:schemeClr>
-                  </a:gs>
-                  <a:gs pos="50000">
-                    <a:schemeClr val="accent1">
-                      <a:shade val="67500"/>
-                      <a:satMod val="115000"/>
-                    </a:schemeClr>
-                  </a:gs>
-                  <a:gs pos="100000">
-                    <a:schemeClr val="accent1">
-                      <a:shade val="100000"/>
-                      <a:satMod val="115000"/>
-                    </a:schemeClr>
-                  </a:gs>
-                </a:gsLst>
-                <a:lin ang="5400000" scaled="1"/>
-                <a:tileRect/>
-              </a:gradFill>
-              <a:effectLst/>
-              <a:uLnTx/>
-              <a:uFillTx/>
-              <a:latin typeface="+mn-lt"/>
-              <a:ea typeface="+mn-ea"/>
-              <a:cs typeface="+mn-cs"/>
-            </a:endParaRPr>
           </a:p>
         </p:txBody>
       </p:sp>
